--- a/航空应急救援组织实施问题研究/photo/基于仿真推演的战法方案制定.pptx
+++ b/航空应急救援组织实施问题研究/photo/基于仿真推演的战法方案制定.pptx
@@ -104,6 +104,11 @@
       </a:defRPr>
     </a:lvl9pPr>
   </p:defaultTextStyle>
+  <p:extLst>
+    <p:ext uri="{EFAFB233-063F-42B5-8137-9DF3F51BA10A}">
+      <p15:sldGuideLst xmlns:p15="http://schemas.microsoft.com/office/powerpoint/2012/main"/>
+    </p:ext>
+  </p:extLst>
 </p:presentation>
 </file>
 
@@ -3807,7 +3812,7 @@
           </p:nvSpPr>
           <p:spPr bwMode="auto">
             <a:xfrm>
-              <a:off x="4861822" y="3738892"/>
+              <a:off x="6536318" y="3748313"/>
               <a:ext cx="1260000" cy="1188000"/>
             </a:xfrm>
             <a:prstGeom prst="rect">
@@ -3851,82 +3856,6 @@
                   <a:ea typeface="黑体" panose="02010609060101010101" pitchFamily="49" charset="-122"/>
                 </a:rPr>
                 <a:t>任务分配</a:t>
-              </a:r>
-              <a:endParaRPr kumimoji="0" lang="en-US" altLang="zh-CN" sz="1400" b="0" i="0" u="none" strike="noStrike" kern="1200" cap="none" spc="0" normalizeH="0" baseline="0" noProof="0" dirty="0">
-                <a:ln>
-                  <a:noFill/>
-                </a:ln>
-                <a:solidFill>
-                  <a:srgbClr val="000000"/>
-                </a:solidFill>
-                <a:effectLst/>
-                <a:uLnTx/>
-                <a:uFillTx/>
-                <a:latin typeface="黑体" panose="02010609060101010101" pitchFamily="49" charset="-122"/>
-                <a:ea typeface="黑体" panose="02010609060101010101" pitchFamily="49" charset="-122"/>
-                <a:cs typeface="+mn-cs"/>
-              </a:endParaRPr>
-            </a:p>
-          </p:txBody>
-        </p:sp>
-        <p:sp>
-          <p:nvSpPr>
-            <p:cNvPr id="56" name="矩形 55">
-              <a:extLst>
-                <a:ext uri="{FF2B5EF4-FFF2-40B4-BE49-F238E27FC236}">
-                  <a16:creationId xmlns:a16="http://schemas.microsoft.com/office/drawing/2014/main" id="{52D8EF19-3318-443F-95CC-56CF77EC36F6}"/>
-                </a:ext>
-              </a:extLst>
-            </p:cNvPr>
-            <p:cNvSpPr/>
-            <p:nvPr/>
-          </p:nvSpPr>
-          <p:spPr bwMode="auto">
-            <a:xfrm>
-              <a:off x="6509660" y="3738361"/>
-              <a:ext cx="1260000" cy="1188000"/>
-            </a:xfrm>
-            <a:prstGeom prst="rect">
-              <a:avLst/>
-            </a:prstGeom>
-            <a:noFill/>
-            <a:ln w="9525" cap="flat" cmpd="sng" algn="ctr">
-              <a:solidFill>
-                <a:schemeClr val="tx1"/>
-              </a:solidFill>
-              <a:prstDash val="solid"/>
-              <a:round/>
-              <a:headEnd type="none" w="med" len="med"/>
-              <a:tailEnd type="none" w="med" len="med"/>
-            </a:ln>
-            <a:effectLst/>
-            <a:extLst/>
-          </p:spPr>
-          <p:txBody>
-            <a:bodyPr vert="horz" wrap="square" lIns="91440" tIns="45720" rIns="91440" bIns="45720" numCol="1" rtlCol="0" anchor="t" anchorCtr="0" compatLnSpc="1">
-              <a:prstTxWarp prst="textNoShape">
-                <a:avLst/>
-              </a:prstTxWarp>
-            </a:bodyPr>
-            <a:lstStyle/>
-            <a:p>
-              <a:pPr lvl="0" algn="ctr" defTabSz="914400" eaLnBrk="0" fontAlgn="base" hangingPunct="0">
-                <a:spcBef>
-                  <a:spcPct val="0"/>
-                </a:spcBef>
-                <a:spcAft>
-                  <a:spcPct val="0"/>
-                </a:spcAft>
-              </a:pPr>
-              <a:r>
-                <a:rPr lang="zh-CN" altLang="en-US" sz="1400" dirty="0">
-                  <a:solidFill>
-                    <a:srgbClr val="000000"/>
-                  </a:solidFill>
-                  <a:latin typeface="黑体" panose="02010609060101010101" pitchFamily="49" charset="-122"/>
-                  <a:ea typeface="黑体" panose="02010609060101010101" pitchFamily="49" charset="-122"/>
-                </a:rPr>
-                <a:t>处置流程确定</a:t>
               </a:r>
               <a:endParaRPr kumimoji="0" lang="en-US" altLang="zh-CN" sz="1400" b="0" i="0" u="none" strike="noStrike" kern="1200" cap="none" spc="0" normalizeH="0" baseline="0" noProof="0" dirty="0">
                 <a:ln>
@@ -4199,7 +4128,7 @@
           </p:nvSpPr>
           <p:spPr bwMode="auto">
             <a:xfrm>
-              <a:off x="3211883" y="3727275"/>
+              <a:off x="4877507" y="3748313"/>
               <a:ext cx="1260000" cy="1188000"/>
             </a:xfrm>
             <a:prstGeom prst="rect">
@@ -4393,7 +4322,7 @@
           </p:blipFill>
           <p:spPr>
             <a:xfrm>
-              <a:off x="4962472" y="4126094"/>
+              <a:off x="6647461" y="4090685"/>
               <a:ext cx="1080000" cy="720000"/>
             </a:xfrm>
             <a:prstGeom prst="rect">
@@ -4671,93 +4600,6 @@
         </p:sp>
         <p:sp>
           <p:nvSpPr>
-            <p:cNvPr id="76" name="右箭头 91">
-              <a:extLst>
-                <a:ext uri="{FF2B5EF4-FFF2-40B4-BE49-F238E27FC236}">
-                  <a16:creationId xmlns:a16="http://schemas.microsoft.com/office/drawing/2014/main" id="{68B20FED-4E3B-4B9E-9FE7-83AB73E17E23}"/>
-                </a:ext>
-              </a:extLst>
-            </p:cNvPr>
-            <p:cNvSpPr/>
-            <p:nvPr/>
-          </p:nvSpPr>
-          <p:spPr bwMode="auto">
-            <a:xfrm rot="10800000">
-              <a:off x="6186299" y="4217348"/>
-              <a:ext cx="284550" cy="207853"/>
-            </a:xfrm>
-            <a:prstGeom prst="rightArrow">
-              <a:avLst/>
-            </a:prstGeom>
-            <a:solidFill>
-              <a:schemeClr val="accent1"/>
-            </a:solidFill>
-            <a:ln w="9525" cap="flat" cmpd="sng" algn="ctr">
-              <a:solidFill>
-                <a:schemeClr val="tx1"/>
-              </a:solidFill>
-              <a:prstDash val="solid"/>
-              <a:round/>
-              <a:headEnd type="none" w="med" len="med"/>
-              <a:tailEnd type="none" w="med" len="med"/>
-            </a:ln>
-            <a:effectLst/>
-            <a:extLst>
-              <a:ext uri="{AF507438-7753-43E0-B8FC-AC1667EBCBE1}">
-                <a14:hiddenEffects xmlns:a14="http://schemas.microsoft.com/office/drawing/2010/main">
-                  <a:effectLst>
-                    <a:outerShdw dist="35921" dir="2700000" algn="ctr" rotWithShape="0">
-                      <a:schemeClr val="bg2"/>
-                    </a:outerShdw>
-                  </a:effectLst>
-                </a14:hiddenEffects>
-              </a:ext>
-            </a:extLst>
-          </p:spPr>
-          <p:txBody>
-            <a:bodyPr vert="horz" wrap="square" lIns="91440" tIns="45720" rIns="91440" bIns="45720" numCol="1" rtlCol="0" anchor="t" anchorCtr="0" compatLnSpc="1">
-              <a:prstTxWarp prst="textNoShape">
-                <a:avLst/>
-              </a:prstTxWarp>
-            </a:bodyPr>
-            <a:lstStyle/>
-            <a:p>
-              <a:pPr marL="0" marR="0" lvl="0" indent="0" algn="l" defTabSz="914400" rtl="0" eaLnBrk="0" fontAlgn="base" latinLnBrk="0" hangingPunct="0">
-                <a:lnSpc>
-                  <a:spcPct val="100000"/>
-                </a:lnSpc>
-                <a:spcBef>
-                  <a:spcPct val="0"/>
-                </a:spcBef>
-                <a:spcAft>
-                  <a:spcPct val="0"/>
-                </a:spcAft>
-                <a:buClrTx/>
-                <a:buSzTx/>
-                <a:buFont typeface="Arial" pitchFamily="34" charset="0"/>
-                <a:buNone/>
-                <a:tabLst/>
-                <a:defRPr/>
-              </a:pPr>
-              <a:endParaRPr kumimoji="0" lang="zh-CN" altLang="en-US" sz="1400" b="0" i="0" u="none" strike="noStrike" kern="1200" cap="none" spc="0" normalizeH="0" baseline="0" noProof="0">
-                <a:ln>
-                  <a:noFill/>
-                </a:ln>
-                <a:solidFill>
-                  <a:srgbClr val="000000"/>
-                </a:solidFill>
-                <a:effectLst/>
-                <a:uLnTx/>
-                <a:uFillTx/>
-                <a:latin typeface="黑体" panose="02010609060101010101" pitchFamily="49" charset="-122"/>
-                <a:ea typeface="黑体" panose="02010609060101010101" pitchFamily="49" charset="-122"/>
-                <a:cs typeface="+mn-cs"/>
-              </a:endParaRPr>
-            </a:p>
-          </p:txBody>
-        </p:sp>
-        <p:sp>
-          <p:nvSpPr>
             <p:cNvPr id="77" name="右箭头 91">
               <a:extLst>
                 <a:ext uri="{FF2B5EF4-FFF2-40B4-BE49-F238E27FC236}">
@@ -4854,19 +4696,20 @@
             </a:extLst>
           </p:cNvPr>
           <p:cNvCxnSpPr>
+            <a:cxnSpLocks/>
             <a:stCxn id="14" idx="3"/>
-            <a:endCxn id="63" idx="3"/>
+            <a:endCxn id="67" idx="3"/>
           </p:cNvCxnSpPr>
           <p:nvPr/>
         </p:nvCxnSpPr>
         <p:spPr bwMode="auto">
           <a:xfrm flipV="1">
-            <a:off x="6707519" y="3421765"/>
-            <a:ext cx="1244614" cy="2226661"/>
+            <a:off x="6707519" y="2834369"/>
+            <a:ext cx="1066705" cy="2814057"/>
           </a:xfrm>
           <a:prstGeom prst="bentConnector3">
             <a:avLst>
-              <a:gd name="adj1" fmla="val 118367"/>
+              <a:gd name="adj1" fmla="val 152101"/>
             </a:avLst>
           </a:prstGeom>
           <a:solidFill>
@@ -5391,7 +5234,7 @@
                   <a:ea typeface="黑体" panose="02010609060101010101" pitchFamily="49" charset="-122"/>
                   <a:cs typeface="+mn-cs"/>
                 </a:rPr>
-                <a:t>真实突发事件</a:t>
+                <a:t>历史案例信息</a:t>
               </a:r>
             </a:p>
           </p:txBody>
@@ -5444,12 +5287,346 @@
           </p:spPr>
         </p:pic>
       </p:grpSp>
+      <p:pic>
+        <p:nvPicPr>
+          <p:cNvPr id="26" name="图片 25">
+            <a:extLst>
+              <a:ext uri="{FF2B5EF4-FFF2-40B4-BE49-F238E27FC236}">
+                <a16:creationId xmlns:a16="http://schemas.microsoft.com/office/drawing/2014/main" id="{EE037BCD-2115-4F49-BECD-82C7C9CCE658}"/>
+              </a:ext>
+            </a:extLst>
+          </p:cNvPr>
+          <p:cNvPicPr>
+            <a:picLocks noChangeAspect="1"/>
+          </p:cNvPicPr>
+          <p:nvPr/>
+        </p:nvPicPr>
+        <p:blipFill>
+          <a:blip r:embed="rId7"/>
+          <a:stretch>
+            <a:fillRect/>
+          </a:stretch>
+        </p:blipFill>
+        <p:spPr>
+          <a:xfrm>
+            <a:off x="4987696" y="4089751"/>
+            <a:ext cx="1090559" cy="687327"/>
+          </a:xfrm>
+          <a:prstGeom prst="rect">
+            <a:avLst/>
+          </a:prstGeom>
+        </p:spPr>
+      </p:pic>
+      <p:cxnSp>
+        <p:nvCxnSpPr>
+          <p:cNvPr id="29" name="连接符: 肘形 28">
+            <a:extLst>
+              <a:ext uri="{FF2B5EF4-FFF2-40B4-BE49-F238E27FC236}">
+                <a16:creationId xmlns:a16="http://schemas.microsoft.com/office/drawing/2014/main" id="{9889BEDB-F30F-4901-B99F-7C3FBBA6CC09}"/>
+              </a:ext>
+            </a:extLst>
+          </p:cNvPr>
+          <p:cNvCxnSpPr>
+            <a:cxnSpLocks/>
+            <a:stCxn id="61" idx="2"/>
+            <a:endCxn id="14" idx="1"/>
+          </p:cNvCxnSpPr>
+          <p:nvPr/>
+        </p:nvCxnSpPr>
+        <p:spPr bwMode="auto">
+          <a:xfrm rot="16200000" flipH="1">
+            <a:off x="2494337" y="3982288"/>
+            <a:ext cx="586720" cy="2745556"/>
+          </a:xfrm>
+          <a:prstGeom prst="bentConnector2">
+            <a:avLst/>
+          </a:prstGeom>
+          <a:solidFill>
+            <a:schemeClr val="accent1"/>
+          </a:solidFill>
+          <a:ln w="9525" cap="flat" cmpd="sng" algn="ctr">
+            <a:solidFill>
+              <a:schemeClr val="tx1"/>
+            </a:solidFill>
+            <a:prstDash val="solid"/>
+            <a:round/>
+            <a:headEnd type="none" w="med" len="med"/>
+            <a:tailEnd type="triangle"/>
+          </a:ln>
+          <a:effectLst/>
+          <a:extLst>
+            <a:ext uri="{AF507438-7753-43E0-B8FC-AC1667EBCBE1}">
+              <a14:hiddenEffects xmlns:a14="http://schemas.microsoft.com/office/drawing/2010/main">
+                <a:effectLst>
+                  <a:outerShdw dist="35921" dir="2700000" algn="ctr" rotWithShape="0">
+                    <a:schemeClr val="bg2"/>
+                  </a:outerShdw>
+                </a:effectLst>
+              </a14:hiddenEffects>
+            </a:ext>
+          </a:extLst>
+        </p:spPr>
+      </p:cxnSp>
+      <p:sp>
+        <p:nvSpPr>
+          <p:cNvPr id="4" name="文本框 3">
+            <a:extLst>
+              <a:ext uri="{FF2B5EF4-FFF2-40B4-BE49-F238E27FC236}">
+                <a16:creationId xmlns:a16="http://schemas.microsoft.com/office/drawing/2014/main" id="{8FA7966A-91AC-4D8B-8F59-B54EE27665CD}"/>
+              </a:ext>
+            </a:extLst>
+          </p:cNvPr>
+          <p:cNvSpPr txBox="1"/>
+          <p:nvPr/>
+        </p:nvSpPr>
+        <p:spPr>
+          <a:xfrm>
+            <a:off x="8404880" y="3222723"/>
+            <a:ext cx="432050" cy="2031325"/>
+          </a:xfrm>
+          <a:prstGeom prst="rect">
+            <a:avLst/>
+          </a:prstGeom>
+          <a:noFill/>
+        </p:spPr>
+        <p:txBody>
+          <a:bodyPr wrap="square" rtlCol="0">
+            <a:spAutoFit/>
+          </a:bodyPr>
+          <a:lstStyle/>
+          <a:p>
+            <a:r>
+              <a:rPr lang="zh-CN" altLang="en-US" dirty="0"/>
+              <a:t>战法方案重制定</a:t>
+            </a:r>
+          </a:p>
+        </p:txBody>
+      </p:sp>
+      <p:sp>
+        <p:nvSpPr>
+          <p:cNvPr id="52" name="右箭头 91">
+            <a:extLst>
+              <a:ext uri="{FF2B5EF4-FFF2-40B4-BE49-F238E27FC236}">
+                <a16:creationId xmlns:a16="http://schemas.microsoft.com/office/drawing/2014/main" id="{F56C0197-3E68-4EE3-ABCD-103C739DA4D5}"/>
+              </a:ext>
+            </a:extLst>
+          </p:cNvPr>
+          <p:cNvSpPr/>
+          <p:nvPr/>
+        </p:nvSpPr>
+        <p:spPr bwMode="auto">
+          <a:xfrm rot="10800000">
+            <a:off x="6176157" y="4238387"/>
+            <a:ext cx="284550" cy="207853"/>
+          </a:xfrm>
+          <a:prstGeom prst="rightArrow">
+            <a:avLst/>
+          </a:prstGeom>
+          <a:solidFill>
+            <a:schemeClr val="accent1"/>
+          </a:solidFill>
+          <a:ln w="9525" cap="flat" cmpd="sng" algn="ctr">
+            <a:solidFill>
+              <a:schemeClr val="tx1"/>
+            </a:solidFill>
+            <a:prstDash val="solid"/>
+            <a:round/>
+            <a:headEnd type="none" w="med" len="med"/>
+            <a:tailEnd type="none" w="med" len="med"/>
+          </a:ln>
+          <a:effectLst/>
+          <a:extLst>
+            <a:ext uri="{AF507438-7753-43E0-B8FC-AC1667EBCBE1}">
+              <a14:hiddenEffects xmlns:a14="http://schemas.microsoft.com/office/drawing/2010/main">
+                <a:effectLst>
+                  <a:outerShdw dist="35921" dir="2700000" algn="ctr" rotWithShape="0">
+                    <a:schemeClr val="bg2"/>
+                  </a:outerShdw>
+                </a:effectLst>
+              </a14:hiddenEffects>
+            </a:ext>
+          </a:extLst>
+        </p:spPr>
+        <p:txBody>
+          <a:bodyPr vert="horz" wrap="square" lIns="91440" tIns="45720" rIns="91440" bIns="45720" numCol="1" rtlCol="0" anchor="t" anchorCtr="0" compatLnSpc="1">
+            <a:prstTxWarp prst="textNoShape">
+              <a:avLst/>
+            </a:prstTxWarp>
+          </a:bodyPr>
+          <a:lstStyle/>
+          <a:p>
+            <a:pPr marL="0" marR="0" lvl="0" indent="0" algn="l" defTabSz="914400" rtl="0" eaLnBrk="0" fontAlgn="base" latinLnBrk="0" hangingPunct="0">
+              <a:lnSpc>
+                <a:spcPct val="100000"/>
+              </a:lnSpc>
+              <a:spcBef>
+                <a:spcPct val="0"/>
+              </a:spcBef>
+              <a:spcAft>
+                <a:spcPct val="0"/>
+              </a:spcAft>
+              <a:buClrTx/>
+              <a:buSzTx/>
+              <a:buFont typeface="Arial" pitchFamily="34" charset="0"/>
+              <a:buNone/>
+              <a:tabLst/>
+              <a:defRPr/>
+            </a:pPr>
+            <a:endParaRPr kumimoji="0" lang="zh-CN" altLang="en-US" sz="1400" b="0" i="0" u="none" strike="noStrike" kern="1200" cap="none" spc="0" normalizeH="0" baseline="0" noProof="0">
+              <a:ln>
+                <a:noFill/>
+              </a:ln>
+              <a:solidFill>
+                <a:srgbClr val="000000"/>
+              </a:solidFill>
+              <a:effectLst/>
+              <a:uLnTx/>
+              <a:uFillTx/>
+              <a:latin typeface="黑体" panose="02010609060101010101" pitchFamily="49" charset="-122"/>
+              <a:ea typeface="黑体" panose="02010609060101010101" pitchFamily="49" charset="-122"/>
+              <a:cs typeface="+mn-cs"/>
+            </a:endParaRPr>
+          </a:p>
+        </p:txBody>
+      </p:sp>
+      <p:sp>
+        <p:nvSpPr>
+          <p:cNvPr id="60" name="矩形 59">
+            <a:extLst>
+              <a:ext uri="{FF2B5EF4-FFF2-40B4-BE49-F238E27FC236}">
+                <a16:creationId xmlns:a16="http://schemas.microsoft.com/office/drawing/2014/main" id="{B7A73730-24BB-4D69-A441-884A88A08D77}"/>
+              </a:ext>
+            </a:extLst>
+          </p:cNvPr>
+          <p:cNvSpPr/>
+          <p:nvPr/>
+        </p:nvSpPr>
+        <p:spPr bwMode="auto">
+          <a:xfrm>
+            <a:off x="3211883" y="3727275"/>
+            <a:ext cx="1260000" cy="1188000"/>
+          </a:xfrm>
+          <a:prstGeom prst="rect">
+            <a:avLst/>
+          </a:prstGeom>
+          <a:noFill/>
+          <a:ln w="9525" cap="flat" cmpd="sng" algn="ctr">
+            <a:solidFill>
+              <a:schemeClr val="tx1"/>
+            </a:solidFill>
+            <a:prstDash val="solid"/>
+            <a:round/>
+            <a:headEnd type="none" w="med" len="med"/>
+            <a:tailEnd type="none" w="med" len="med"/>
+          </a:ln>
+          <a:effectLst/>
+          <a:extLst/>
+        </p:spPr>
+        <p:txBody>
+          <a:bodyPr vert="horz" wrap="square" lIns="91440" tIns="45720" rIns="91440" bIns="45720" numCol="1" rtlCol="0" anchor="t" anchorCtr="0" compatLnSpc="1">
+            <a:prstTxWarp prst="textNoShape">
+              <a:avLst/>
+            </a:prstTxWarp>
+          </a:bodyPr>
+          <a:lstStyle/>
+          <a:p>
+            <a:pPr marL="0" marR="0" indent="0" algn="ctr" defTabSz="914400" rtl="0" eaLnBrk="0" fontAlgn="base" latinLnBrk="0" hangingPunct="0">
+              <a:lnSpc>
+                <a:spcPct val="100000"/>
+              </a:lnSpc>
+              <a:spcBef>
+                <a:spcPct val="0"/>
+              </a:spcBef>
+              <a:spcAft>
+                <a:spcPct val="0"/>
+              </a:spcAft>
+              <a:buClrTx/>
+              <a:buSzTx/>
+              <a:buFont typeface="Arial" pitchFamily="34" charset="0"/>
+              <a:buNone/>
+              <a:tabLst/>
+            </a:pPr>
+            <a:r>
+              <a:rPr lang="zh-CN" altLang="en-US" sz="1400" dirty="0">
+                <a:solidFill>
+                  <a:srgbClr val="000000"/>
+                </a:solidFill>
+                <a:latin typeface="黑体" panose="02010609060101010101" pitchFamily="49" charset="-122"/>
+                <a:ea typeface="黑体" panose="02010609060101010101" pitchFamily="49" charset="-122"/>
+              </a:rPr>
+              <a:t>智能推演</a:t>
+            </a:r>
+            <a:endParaRPr lang="en-US" altLang="zh-CN" sz="1400" dirty="0">
+              <a:solidFill>
+                <a:srgbClr val="000000"/>
+              </a:solidFill>
+              <a:latin typeface="黑体" panose="02010609060101010101" pitchFamily="49" charset="-122"/>
+              <a:ea typeface="黑体" panose="02010609060101010101" pitchFamily="49" charset="-122"/>
+            </a:endParaRPr>
+          </a:p>
+        </p:txBody>
+      </p:sp>
+      <p:pic>
+        <p:nvPicPr>
+          <p:cNvPr id="62" name="图片 61">
+            <a:extLst>
+              <a:ext uri="{FF2B5EF4-FFF2-40B4-BE49-F238E27FC236}">
+                <a16:creationId xmlns:a16="http://schemas.microsoft.com/office/drawing/2014/main" id="{051922A9-88C0-42E3-A2CE-4B1B59F0730D}"/>
+              </a:ext>
+            </a:extLst>
+          </p:cNvPr>
+          <p:cNvPicPr preferRelativeResize="0">
+            <a:picLocks/>
+          </p:cNvPicPr>
+          <p:nvPr/>
+        </p:nvPicPr>
+        <p:blipFill>
+          <a:blip r:embed="rId8" cstate="print">
+            <a:extLst>
+              <a:ext uri="{28A0092B-C50C-407E-A947-70E740481C1C}">
+                <a14:useLocalDpi xmlns:a14="http://schemas.microsoft.com/office/drawing/2010/main" val="0"/>
+              </a:ext>
+            </a:extLst>
+          </a:blip>
+          <a:stretch>
+            <a:fillRect/>
+          </a:stretch>
+        </p:blipFill>
+        <p:spPr>
+          <a:xfrm>
+            <a:off x="3301891" y="4126094"/>
+            <a:ext cx="1102905" cy="706824"/>
+          </a:xfrm>
+          <a:prstGeom prst="rect">
+            <a:avLst/>
+          </a:prstGeom>
+          <a:ln w="12700">
+            <a:solidFill>
+              <a:srgbClr val="000000"/>
+            </a:solidFill>
+          </a:ln>
+        </p:spPr>
+        <p:style>
+          <a:lnRef idx="2">
+            <a:schemeClr val="dk1"/>
+          </a:lnRef>
+          <a:fillRef idx="1">
+            <a:schemeClr val="lt1"/>
+          </a:fillRef>
+          <a:effectRef idx="0">
+            <a:schemeClr val="dk1"/>
+          </a:effectRef>
+          <a:fontRef idx="minor">
+            <a:schemeClr val="dk1"/>
+          </a:fontRef>
+        </p:style>
+      </p:pic>
       <p:grpSp>
         <p:nvGrpSpPr>
-          <p:cNvPr id="31" name="组合 30">
+          <p:cNvPr id="6" name="组合 5">
             <a:extLst>
               <a:ext uri="{FF2B5EF4-FFF2-40B4-BE49-F238E27FC236}">
-                <a16:creationId xmlns:a16="http://schemas.microsoft.com/office/drawing/2014/main" id="{EB29B7B0-F99E-4471-8965-E32C3A31C10C}"/>
+                <a16:creationId xmlns:a16="http://schemas.microsoft.com/office/drawing/2014/main" id="{D087F247-3CA1-48D0-951F-8098432A0336}"/>
               </a:ext>
             </a:extLst>
           </p:cNvPr>
@@ -5458,10 +5635,10 @@
         </p:nvGrpSpPr>
         <p:grpSpPr>
           <a:xfrm>
-            <a:off x="600733" y="3738323"/>
-            <a:ext cx="1676949" cy="1361618"/>
-            <a:chOff x="534213" y="3770153"/>
-            <a:chExt cx="1676949" cy="1361618"/>
+            <a:off x="576444" y="3792507"/>
+            <a:ext cx="1676949" cy="1269199"/>
+            <a:chOff x="600733" y="3830742"/>
+            <a:chExt cx="1676949" cy="1269199"/>
           </a:xfrm>
         </p:grpSpPr>
         <p:sp>
@@ -5478,7 +5655,7 @@
           </p:nvSpPr>
           <p:spPr>
             <a:xfrm>
-              <a:off x="534213" y="4762439"/>
+              <a:off x="600733" y="4730609"/>
               <a:ext cx="1676949" cy="369332"/>
             </a:xfrm>
             <a:prstGeom prst="rect">
@@ -5537,17 +5714,17 @@
                   <a:ea typeface="黑体" panose="02010609060101010101" pitchFamily="49" charset="-122"/>
                   <a:cs typeface="+mn-cs"/>
                 </a:rPr>
-                <a:t>战法仿真推演</a:t>
+                <a:t>仿真推演结果</a:t>
               </a:r>
             </a:p>
           </p:txBody>
         </p:sp>
         <p:pic>
           <p:nvPicPr>
-            <p:cNvPr id="64" name="图片 63">
+            <p:cNvPr id="5" name="图片 4">
               <a:extLst>
                 <a:ext uri="{FF2B5EF4-FFF2-40B4-BE49-F238E27FC236}">
-                  <a16:creationId xmlns:a16="http://schemas.microsoft.com/office/drawing/2014/main" id="{C634C7AE-C188-4D76-8196-A420BD058864}"/>
+                  <a16:creationId xmlns:a16="http://schemas.microsoft.com/office/drawing/2014/main" id="{36B018B3-E44D-4C4C-A4B9-23869B017BBF}"/>
                 </a:ext>
               </a:extLst>
             </p:cNvPr>
@@ -5557,21 +5734,15 @@
             <p:nvPr/>
           </p:nvPicPr>
           <p:blipFill>
-            <a:blip r:embed="rId7" cstate="print">
-              <a:extLst>
-                <a:ext uri="{28A0092B-C50C-407E-A947-70E740481C1C}">
-                  <a14:useLocalDpi xmlns:a14="http://schemas.microsoft.com/office/drawing/2010/main" val="0"/>
-                </a:ext>
-              </a:extLst>
-            </a:blip>
+            <a:blip r:embed="rId9"/>
             <a:stretch>
               <a:fillRect/>
             </a:stretch>
           </p:blipFill>
           <p:spPr>
             <a:xfrm>
-              <a:off x="621755" y="3770153"/>
-              <a:ext cx="1461123" cy="959511"/>
+              <a:off x="802003" y="3830742"/>
+              <a:ext cx="1313850" cy="869937"/>
             </a:xfrm>
             <a:prstGeom prst="rect">
               <a:avLst/>
@@ -5579,122 +5750,6 @@
           </p:spPr>
         </p:pic>
       </p:grpSp>
-      <p:pic>
-        <p:nvPicPr>
-          <p:cNvPr id="26" name="图片 25">
-            <a:extLst>
-              <a:ext uri="{FF2B5EF4-FFF2-40B4-BE49-F238E27FC236}">
-                <a16:creationId xmlns:a16="http://schemas.microsoft.com/office/drawing/2014/main" id="{EE037BCD-2115-4F49-BECD-82C7C9CCE658}"/>
-              </a:ext>
-            </a:extLst>
-          </p:cNvPr>
-          <p:cNvPicPr>
-            <a:picLocks noChangeAspect="1"/>
-          </p:cNvPicPr>
-          <p:nvPr/>
-        </p:nvPicPr>
-        <p:blipFill>
-          <a:blip r:embed="rId8"/>
-          <a:stretch>
-            <a:fillRect/>
-          </a:stretch>
-        </p:blipFill>
-        <p:spPr>
-          <a:xfrm>
-            <a:off x="3334201" y="4081538"/>
-            <a:ext cx="1090559" cy="687327"/>
-          </a:xfrm>
-          <a:prstGeom prst="rect">
-            <a:avLst/>
-          </a:prstGeom>
-        </p:spPr>
-      </p:pic>
-      <p:pic>
-        <p:nvPicPr>
-          <p:cNvPr id="78" name="图片 77">
-            <a:extLst>
-              <a:ext uri="{FF2B5EF4-FFF2-40B4-BE49-F238E27FC236}">
-                <a16:creationId xmlns:a16="http://schemas.microsoft.com/office/drawing/2014/main" id="{84CF25A0-7F68-49BC-A9BE-0454802F0622}"/>
-              </a:ext>
-            </a:extLst>
-          </p:cNvPr>
-          <p:cNvPicPr/>
-          <p:nvPr/>
-        </p:nvPicPr>
-        <p:blipFill>
-          <a:blip r:embed="rId9">
-            <a:extLst>
-              <a:ext uri="{28A0092B-C50C-407E-A947-70E740481C1C}">
-                <a14:useLocalDpi xmlns:a14="http://schemas.microsoft.com/office/drawing/2010/main"/>
-              </a:ext>
-            </a:extLst>
-          </a:blip>
-          <a:srcRect/>
-          <a:stretch>
-            <a:fillRect/>
-          </a:stretch>
-        </p:blipFill>
-        <p:spPr bwMode="auto">
-          <a:xfrm>
-            <a:off x="6660396" y="4088728"/>
-            <a:ext cx="1076279" cy="826857"/>
-          </a:xfrm>
-          <a:prstGeom prst="rect">
-            <a:avLst/>
-          </a:prstGeom>
-          <a:noFill/>
-        </p:spPr>
-      </p:pic>
-      <p:cxnSp>
-        <p:nvCxnSpPr>
-          <p:cNvPr id="29" name="连接符: 肘形 28">
-            <a:extLst>
-              <a:ext uri="{FF2B5EF4-FFF2-40B4-BE49-F238E27FC236}">
-                <a16:creationId xmlns:a16="http://schemas.microsoft.com/office/drawing/2014/main" id="{9889BEDB-F30F-4901-B99F-7C3FBBA6CC09}"/>
-              </a:ext>
-            </a:extLst>
-          </p:cNvPr>
-          <p:cNvCxnSpPr>
-            <a:cxnSpLocks/>
-            <a:stCxn id="61" idx="2"/>
-            <a:endCxn id="14" idx="1"/>
-          </p:cNvCxnSpPr>
-          <p:nvPr/>
-        </p:nvCxnSpPr>
-        <p:spPr bwMode="auto">
-          <a:xfrm rot="16200000" flipH="1">
-            <a:off x="2525599" y="4013549"/>
-            <a:ext cx="548485" cy="2721267"/>
-          </a:xfrm>
-          <a:prstGeom prst="bentConnector2">
-            <a:avLst/>
-          </a:prstGeom>
-          <a:solidFill>
-            <a:schemeClr val="accent1"/>
-          </a:solidFill>
-          <a:ln w="9525" cap="flat" cmpd="sng" algn="ctr">
-            <a:solidFill>
-              <a:schemeClr val="tx1"/>
-            </a:solidFill>
-            <a:prstDash val="solid"/>
-            <a:round/>
-            <a:headEnd type="none" w="med" len="med"/>
-            <a:tailEnd type="triangle"/>
-          </a:ln>
-          <a:effectLst/>
-          <a:extLst>
-            <a:ext uri="{AF507438-7753-43E0-B8FC-AC1667EBCBE1}">
-              <a14:hiddenEffects xmlns:a14="http://schemas.microsoft.com/office/drawing/2010/main">
-                <a:effectLst>
-                  <a:outerShdw dist="35921" dir="2700000" algn="ctr" rotWithShape="0">
-                    <a:schemeClr val="bg2"/>
-                  </a:outerShdw>
-                </a:effectLst>
-              </a14:hiddenEffects>
-            </a:ext>
-          </a:extLst>
-        </p:spPr>
-      </p:cxnSp>
     </p:spTree>
     <p:extLst>
       <p:ext uri="{BB962C8B-B14F-4D97-AF65-F5344CB8AC3E}">
